--- a/PrésentationP12.pptx
+++ b/PrésentationP12.pptx
@@ -12,9 +12,11 @@
     <p:sldId id="261" r:id="rId6"/>
     <p:sldId id="262" r:id="rId7"/>
     <p:sldId id="263" r:id="rId8"/>
-    <p:sldId id="264" r:id="rId9"/>
-    <p:sldId id="266" r:id="rId10"/>
-    <p:sldId id="265" r:id="rId11"/>
+    <p:sldId id="267" r:id="rId9"/>
+    <p:sldId id="264" r:id="rId10"/>
+    <p:sldId id="266" r:id="rId11"/>
+    <p:sldId id="268" r:id="rId12"/>
+    <p:sldId id="269" r:id="rId13"/>
   </p:sldIdLst>
   <p:sldSz cx="12192000" cy="6858000"/>
   <p:notesSz cx="6858000" cy="9144000"/>
@@ -365,7 +367,7 @@
           <a:p>
             <a:fld id="{9184DA70-C731-4C70-880D-CCD4705E623C}" type="datetime1">
               <a:rPr lang="en-US" smtClean="0"/>
-              <a:t>7/25/24</a:t>
+              <a:t>7/29/24</a:t>
             </a:fld>
             <a:endParaRPr lang="en-US" dirty="0"/>
           </a:p>
@@ -553,7 +555,7 @@
           <a:p>
             <a:fld id="{B612A279-0833-481D-8C56-F67FD0AC6C50}" type="datetime1">
               <a:rPr lang="en-US" smtClean="0"/>
-              <a:t>7/25/24</a:t>
+              <a:t>7/29/24</a:t>
             </a:fld>
             <a:endParaRPr lang="en-US" dirty="0"/>
           </a:p>
@@ -795,7 +797,7 @@
           <a:p>
             <a:fld id="{6587DA83-5663-4C9C-B9AA-0B40A3DAFF81}" type="datetime1">
               <a:rPr lang="en-US" smtClean="0"/>
-              <a:t>7/25/24</a:t>
+              <a:t>7/29/24</a:t>
             </a:fld>
             <a:endParaRPr lang="en-US" dirty="0"/>
           </a:p>
@@ -983,7 +985,7 @@
           <a:p>
             <a:fld id="{4BE1D723-8F53-4F53-90B0-1982A396982E}" type="datetime1">
               <a:rPr lang="en-US" smtClean="0"/>
-              <a:t>7/25/24</a:t>
+              <a:t>7/29/24</a:t>
             </a:fld>
             <a:endParaRPr lang="en-US" dirty="0"/>
           </a:p>
@@ -1356,7 +1358,7 @@
           <a:p>
             <a:fld id="{97669AF7-7BEB-44E4-9852-375E34362B5B}" type="datetime1">
               <a:rPr lang="en-US" smtClean="0"/>
-              <a:t>7/25/24</a:t>
+              <a:t>7/29/24</a:t>
             </a:fld>
             <a:endParaRPr lang="en-US" dirty="0"/>
           </a:p>
@@ -1611,7 +1613,7 @@
           <a:p>
             <a:fld id="{BAAAC38D-0552-4C82-B593-E6124DFADBE2}" type="datetime1">
               <a:rPr lang="en-US" smtClean="0"/>
-              <a:t>7/25/24</a:t>
+              <a:t>7/29/24</a:t>
             </a:fld>
             <a:endParaRPr lang="en-US" dirty="0"/>
           </a:p>
@@ -2008,7 +2010,7 @@
           <a:p>
             <a:fld id="{D9DF0F1C-5577-4ACB-BB62-DF8F3C494C7E}" type="datetime1">
               <a:rPr lang="en-US" smtClean="0"/>
-              <a:t>7/25/24</a:t>
+              <a:t>7/29/24</a:t>
             </a:fld>
             <a:endParaRPr lang="en-US" dirty="0"/>
           </a:p>
@@ -2144,7 +2146,7 @@
           <a:p>
             <a:fld id="{1775B394-D9F9-4F0C-B15D-605F45CB9E9F}" type="datetime1">
               <a:rPr lang="en-US" smtClean="0"/>
-              <a:t>7/25/24</a:t>
+              <a:t>7/29/24</a:t>
             </a:fld>
             <a:endParaRPr lang="en-US" dirty="0"/>
           </a:p>
@@ -2301,7 +2303,7 @@
           <a:p>
             <a:fld id="{39667345-2558-425A-8533-9BFDBCE15005}" type="datetime1">
               <a:rPr lang="en-US" smtClean="0"/>
-              <a:t>7/25/24</a:t>
+              <a:t>7/29/24</a:t>
             </a:fld>
             <a:endParaRPr lang="en-US" dirty="0"/>
           </a:p>
@@ -2630,7 +2632,7 @@
           <a:p>
             <a:fld id="{92BEA474-078D-4E9B-9B14-09A87B19DC46}" type="datetime1">
               <a:rPr lang="en-US" smtClean="0"/>
-              <a:t>7/25/24</a:t>
+              <a:t>7/29/24</a:t>
             </a:fld>
             <a:endParaRPr lang="en-US" dirty="0"/>
           </a:p>
@@ -2980,7 +2982,7 @@
           <a:p>
             <a:fld id="{4907D986-8816-4272-A432-0437A28A9828}" type="datetime1">
               <a:rPr lang="en-US" smtClean="0"/>
-              <a:t>7/25/24</a:t>
+              <a:t>7/29/24</a:t>
             </a:fld>
             <a:endParaRPr lang="en-US" dirty="0"/>
           </a:p>
@@ -3241,7 +3243,7 @@
           <a:p>
             <a:fld id="{62D6E202-B606-4609-B914-27C9371A1F6D}" type="datetime1">
               <a:rPr lang="en-US" smtClean="0"/>
-              <a:t>7/25/24</a:t>
+              <a:t>7/29/24</a:t>
             </a:fld>
             <a:endParaRPr lang="en-US" dirty="0"/>
           </a:p>
@@ -4221,11 +4223,14 @@
           </a:bodyPr>
           <a:lstStyle/>
           <a:p>
-            <a:endParaRPr lang="fr-FR" u="sng" dirty="0">
-              <a:solidFill>
-                <a:schemeClr val="tx1"/>
-              </a:solidFill>
-            </a:endParaRPr>
+            <a:r>
+              <a:rPr lang="fr-FR" u="sng" dirty="0">
+                <a:solidFill>
+                  <a:schemeClr val="tx1"/>
+                </a:solidFill>
+              </a:rPr>
+              <a:t>IV. Responsive design: </a:t>
+            </a:r>
           </a:p>
         </p:txBody>
       </p:sp>
@@ -4263,7 +4268,15 @@
             </a:pPr>
             <a:r>
               <a:rPr lang="fr-FR" dirty="0"/>
-              <a:t> Placement sur le site : juste après la présentation et les compétences, en plein milieu du site</a:t>
+              <a:t> but recherché : avoir une transition smooth jusqu’à 320 px qui est ma min-</a:t>
+            </a:r>
+            <a:r>
+              <a:rPr lang="fr-FR" dirty="0" err="1"/>
+              <a:t>width</a:t>
+            </a:r>
+            <a:r>
+              <a:rPr lang="fr-FR" dirty="0"/>
+              <a:t>.</a:t>
             </a:r>
           </a:p>
           <a:p>
@@ -4273,27 +4286,7 @@
             </a:pPr>
             <a:r>
               <a:rPr lang="fr-FR" dirty="0"/>
-              <a:t> Format de cartes pour chaque projet avec un recto et un verso (petite animation en plus)</a:t>
-            </a:r>
-          </a:p>
-          <a:p>
-            <a:pPr>
-              <a:buFont typeface="Courier New" panose="02070309020205020404" pitchFamily="49" charset="0"/>
-              <a:buChar char="o"/>
-            </a:pPr>
-            <a:r>
-              <a:rPr lang="fr-FR" dirty="0"/>
-              <a:t> Recto : Photo du projet, nom du projet, « learn more » pour cliquer dessus</a:t>
-            </a:r>
-          </a:p>
-          <a:p>
-            <a:pPr>
-              <a:buFont typeface="Courier New" panose="02070309020205020404" pitchFamily="49" charset="0"/>
-              <a:buChar char="o"/>
-            </a:pPr>
-            <a:r>
-              <a:rPr lang="fr-FR" dirty="0"/>
-              <a:t> Verso : titre du projet, texte de présentation, technologies utilisés, lien code et lien site. </a:t>
+              <a:t> toujours la même pensée : simple et lisible </a:t>
             </a:r>
           </a:p>
         </p:txBody>
@@ -4363,7 +4356,446 @@
     </p:spTree>
     <p:extLst>
       <p:ext uri="{BB962C8B-B14F-4D97-AF65-F5344CB8AC3E}">
-        <p14:creationId xmlns:p14="http://schemas.microsoft.com/office/powerpoint/2010/main" val="2189303741"/>
+        <p14:creationId xmlns:p14="http://schemas.microsoft.com/office/powerpoint/2010/main" val="3296333441"/>
+      </p:ext>
+    </p:extLst>
+  </p:cSld>
+  <p:clrMapOvr>
+    <a:masterClrMapping/>
+  </p:clrMapOvr>
+</p:sld>
+</file>
+
+<file path=ppt/slides/slide11.xml><?xml version="1.0" encoding="utf-8"?>
+<p:sld xmlns:a="http://schemas.openxmlformats.org/drawingml/2006/main" xmlns:r="http://schemas.openxmlformats.org/officeDocument/2006/relationships" xmlns:p="http://schemas.openxmlformats.org/presentationml/2006/main">
+  <p:cSld>
+    <p:spTree>
+      <p:nvGrpSpPr>
+        <p:cNvPr id="1" name=""/>
+        <p:cNvGrpSpPr/>
+        <p:nvPr/>
+      </p:nvGrpSpPr>
+      <p:grpSpPr>
+        <a:xfrm>
+          <a:off x="0" y="0"/>
+          <a:ext cx="0" cy="0"/>
+          <a:chOff x="0" y="0"/>
+          <a:chExt cx="0" cy="0"/>
+        </a:xfrm>
+      </p:grpSpPr>
+      <p:sp>
+        <p:nvSpPr>
+          <p:cNvPr id="2" name="Titre 1">
+            <a:extLst>
+              <a:ext uri="{FF2B5EF4-FFF2-40B4-BE49-F238E27FC236}">
+                <a16:creationId xmlns:a16="http://schemas.microsoft.com/office/drawing/2014/main" id="{4538DF37-7D7D-5D95-4F6A-C5028732BC9D}"/>
+              </a:ext>
+            </a:extLst>
+          </p:cNvPr>
+          <p:cNvSpPr>
+            <a:spLocks noGrp="1"/>
+          </p:cNvSpPr>
+          <p:nvPr>
+            <p:ph type="title"/>
+          </p:nvPr>
+        </p:nvSpPr>
+        <p:spPr>
+          <a:xfrm>
+            <a:off x="1097280" y="286603"/>
+            <a:ext cx="10058400" cy="1450757"/>
+          </a:xfrm>
+        </p:spPr>
+        <p:txBody>
+          <a:bodyPr anchor="ctr">
+            <a:normAutofit/>
+          </a:bodyPr>
+          <a:lstStyle/>
+          <a:p>
+            <a:r>
+              <a:rPr lang="fr-FR" u="sng" dirty="0">
+                <a:solidFill>
+                  <a:schemeClr val="tx1"/>
+                </a:solidFill>
+              </a:rPr>
+              <a:t>V. Présentation du code : </a:t>
+            </a:r>
+          </a:p>
+        </p:txBody>
+      </p:sp>
+      <p:sp>
+        <p:nvSpPr>
+          <p:cNvPr id="3" name="Espace réservé du contenu 2">
+            <a:extLst>
+              <a:ext uri="{FF2B5EF4-FFF2-40B4-BE49-F238E27FC236}">
+                <a16:creationId xmlns:a16="http://schemas.microsoft.com/office/drawing/2014/main" id="{69A6387B-7BF8-943F-F7EC-2946F2F4C386}"/>
+              </a:ext>
+            </a:extLst>
+          </p:cNvPr>
+          <p:cNvSpPr>
+            <a:spLocks noGrp="1"/>
+          </p:cNvSpPr>
+          <p:nvPr>
+            <p:ph idx="1"/>
+          </p:nvPr>
+        </p:nvSpPr>
+        <p:spPr>
+          <a:xfrm>
+            <a:off x="1096963" y="2675694"/>
+            <a:ext cx="10058400" cy="3193294"/>
+          </a:xfrm>
+        </p:spPr>
+        <p:txBody>
+          <a:bodyPr>
+            <a:normAutofit/>
+          </a:bodyPr>
+          <a:lstStyle/>
+          <a:p>
+            <a:pPr>
+              <a:buFont typeface="Courier New" panose="02070309020205020404" pitchFamily="49" charset="0"/>
+              <a:buChar char="o"/>
+            </a:pPr>
+            <a:r>
+              <a:rPr lang="fr-FR" dirty="0"/>
+              <a:t> Index.js / App.js / index.js</a:t>
+            </a:r>
+          </a:p>
+          <a:p>
+            <a:pPr>
+              <a:buFont typeface="Courier New" panose="02070309020205020404" pitchFamily="49" charset="0"/>
+              <a:buChar char="o"/>
+            </a:pPr>
+            <a:r>
+              <a:rPr lang="fr-FR" dirty="0"/>
+              <a:t> I18n</a:t>
+            </a:r>
+          </a:p>
+          <a:p>
+            <a:pPr>
+              <a:buFont typeface="Courier New" panose="02070309020205020404" pitchFamily="49" charset="0"/>
+              <a:buChar char="o"/>
+            </a:pPr>
+            <a:r>
+              <a:rPr lang="fr-FR" dirty="0"/>
+              <a:t> Components</a:t>
+            </a:r>
+          </a:p>
+          <a:p>
+            <a:pPr>
+              <a:buFont typeface="Courier New" panose="02070309020205020404" pitchFamily="49" charset="0"/>
+              <a:buChar char="o"/>
+            </a:pPr>
+            <a:endParaRPr lang="fr-FR" dirty="0"/>
+          </a:p>
+          <a:p>
+            <a:pPr>
+              <a:buFont typeface="Courier New" panose="02070309020205020404" pitchFamily="49" charset="0"/>
+              <a:buChar char="o"/>
+            </a:pPr>
+            <a:r>
+              <a:rPr lang="fr-FR" dirty="0"/>
+              <a:t> Difficultés : installation i18n</a:t>
+            </a:r>
+            <a:r>
+              <a:rPr lang="fr-FR"/>
+              <a:t>, couleurs du site, s</a:t>
+            </a:r>
+            <a:endParaRPr lang="fr-FR" dirty="0"/>
+          </a:p>
+        </p:txBody>
+      </p:sp>
+      <p:sp>
+        <p:nvSpPr>
+          <p:cNvPr id="4" name="ZoneTexte 3">
+            <a:extLst>
+              <a:ext uri="{FF2B5EF4-FFF2-40B4-BE49-F238E27FC236}">
+                <a16:creationId xmlns:a16="http://schemas.microsoft.com/office/drawing/2014/main" id="{F8145D13-1D1F-B01F-86E8-008E07F0CBF9}"/>
+              </a:ext>
+            </a:extLst>
+          </p:cNvPr>
+          <p:cNvSpPr txBox="1"/>
+          <p:nvPr/>
+        </p:nvSpPr>
+        <p:spPr>
+          <a:xfrm>
+            <a:off x="495759" y="1222872"/>
+            <a:ext cx="184731" cy="369332"/>
+          </a:xfrm>
+          <a:prstGeom prst="rect">
+            <a:avLst/>
+          </a:prstGeom>
+          <a:noFill/>
+        </p:spPr>
+        <p:txBody>
+          <a:bodyPr wrap="none" rtlCol="0">
+            <a:spAutoFit/>
+          </a:bodyPr>
+          <a:lstStyle/>
+          <a:p>
+            <a:endParaRPr lang="fr-FR" dirty="0"/>
+          </a:p>
+        </p:txBody>
+      </p:sp>
+      <p:pic>
+        <p:nvPicPr>
+          <p:cNvPr id="5" name="Image 4" descr="Une image contenant noir, obscurité&#10;&#10;Description générée automatiquement">
+            <a:extLst>
+              <a:ext uri="{FF2B5EF4-FFF2-40B4-BE49-F238E27FC236}">
+                <a16:creationId xmlns:a16="http://schemas.microsoft.com/office/drawing/2014/main" id="{1D55926A-E42A-0494-5BC0-544F8AD19E50}"/>
+              </a:ext>
+            </a:extLst>
+          </p:cNvPr>
+          <p:cNvPicPr>
+            <a:picLocks noChangeAspect="1"/>
+          </p:cNvPicPr>
+          <p:nvPr/>
+        </p:nvPicPr>
+        <p:blipFill>
+          <a:blip r:embed="rId2"/>
+          <a:stretch>
+            <a:fillRect/>
+          </a:stretch>
+        </p:blipFill>
+        <p:spPr>
+          <a:xfrm>
+            <a:off x="11296444" y="82611"/>
+            <a:ext cx="803675" cy="803675"/>
+          </a:xfrm>
+          <a:prstGeom prst="rect">
+            <a:avLst/>
+          </a:prstGeom>
+        </p:spPr>
+      </p:pic>
+    </p:spTree>
+    <p:extLst>
+      <p:ext uri="{BB962C8B-B14F-4D97-AF65-F5344CB8AC3E}">
+        <p14:creationId xmlns:p14="http://schemas.microsoft.com/office/powerpoint/2010/main" val="4215339725"/>
+      </p:ext>
+    </p:extLst>
+  </p:cSld>
+  <p:clrMapOvr>
+    <a:masterClrMapping/>
+  </p:clrMapOvr>
+</p:sld>
+</file>
+
+<file path=ppt/slides/slide12.xml><?xml version="1.0" encoding="utf-8"?>
+<p:sld xmlns:a="http://schemas.openxmlformats.org/drawingml/2006/main" xmlns:r="http://schemas.openxmlformats.org/officeDocument/2006/relationships" xmlns:p="http://schemas.openxmlformats.org/presentationml/2006/main">
+  <p:cSld>
+    <p:spTree>
+      <p:nvGrpSpPr>
+        <p:cNvPr id="1" name=""/>
+        <p:cNvGrpSpPr/>
+        <p:nvPr/>
+      </p:nvGrpSpPr>
+      <p:grpSpPr>
+        <a:xfrm>
+          <a:off x="0" y="0"/>
+          <a:ext cx="0" cy="0"/>
+          <a:chOff x="0" y="0"/>
+          <a:chExt cx="0" cy="0"/>
+        </a:xfrm>
+      </p:grpSpPr>
+      <p:sp>
+        <p:nvSpPr>
+          <p:cNvPr id="2" name="Titre 1">
+            <a:extLst>
+              <a:ext uri="{FF2B5EF4-FFF2-40B4-BE49-F238E27FC236}">
+                <a16:creationId xmlns:a16="http://schemas.microsoft.com/office/drawing/2014/main" id="{4538DF37-7D7D-5D95-4F6A-C5028732BC9D}"/>
+              </a:ext>
+            </a:extLst>
+          </p:cNvPr>
+          <p:cNvSpPr>
+            <a:spLocks noGrp="1"/>
+          </p:cNvSpPr>
+          <p:nvPr>
+            <p:ph type="title"/>
+          </p:nvPr>
+        </p:nvSpPr>
+        <p:spPr>
+          <a:xfrm>
+            <a:off x="1097280" y="286603"/>
+            <a:ext cx="10058400" cy="1450757"/>
+          </a:xfrm>
+        </p:spPr>
+        <p:txBody>
+          <a:bodyPr anchor="ctr">
+            <a:normAutofit/>
+          </a:bodyPr>
+          <a:lstStyle/>
+          <a:p>
+            <a:pPr marL="0" indent="0">
+              <a:buNone/>
+            </a:pPr>
+            <a:r>
+              <a:rPr lang="fr-FR" dirty="0"/>
+              <a:t>VI. Mise à jour du contenu. </a:t>
+            </a:r>
+          </a:p>
+        </p:txBody>
+      </p:sp>
+      <p:sp>
+        <p:nvSpPr>
+          <p:cNvPr id="3" name="Espace réservé du contenu 2">
+            <a:extLst>
+              <a:ext uri="{FF2B5EF4-FFF2-40B4-BE49-F238E27FC236}">
+                <a16:creationId xmlns:a16="http://schemas.microsoft.com/office/drawing/2014/main" id="{69A6387B-7BF8-943F-F7EC-2946F2F4C386}"/>
+              </a:ext>
+            </a:extLst>
+          </p:cNvPr>
+          <p:cNvSpPr>
+            <a:spLocks noGrp="1"/>
+          </p:cNvSpPr>
+          <p:nvPr>
+            <p:ph idx="1"/>
+          </p:nvPr>
+        </p:nvSpPr>
+        <p:spPr>
+          <a:xfrm>
+            <a:off x="1096963" y="2675694"/>
+            <a:ext cx="10058400" cy="3193294"/>
+          </a:xfrm>
+        </p:spPr>
+        <p:txBody>
+          <a:bodyPr>
+            <a:normAutofit/>
+          </a:bodyPr>
+          <a:lstStyle/>
+          <a:p>
+            <a:pPr>
+              <a:buFont typeface="Courier New" panose="02070309020205020404" pitchFamily="49" charset="0"/>
+              <a:buChar char="o"/>
+            </a:pPr>
+            <a:r>
+              <a:rPr lang="fr-FR" dirty="0"/>
+              <a:t> 3D avec g-</a:t>
+            </a:r>
+            <a:r>
+              <a:rPr lang="fr-FR" dirty="0" err="1"/>
+              <a:t>sap</a:t>
+            </a:r>
+            <a:r>
+              <a:rPr lang="fr-FR" dirty="0"/>
+              <a:t> en dessous du header pour avoir un site plus vivant </a:t>
+            </a:r>
+          </a:p>
+          <a:p>
+            <a:pPr>
+              <a:buFont typeface="Courier New" panose="02070309020205020404" pitchFamily="49" charset="0"/>
+              <a:buChar char="o"/>
+            </a:pPr>
+            <a:r>
+              <a:rPr lang="fr-FR" dirty="0"/>
+              <a:t> pourquoi pas passer sur du Next.js après </a:t>
+            </a:r>
+          </a:p>
+          <a:p>
+            <a:pPr>
+              <a:buFont typeface="Courier New" panose="02070309020205020404" pitchFamily="49" charset="0"/>
+              <a:buChar char="o"/>
+            </a:pPr>
+            <a:r>
+              <a:rPr lang="fr-FR" dirty="0"/>
+              <a:t> Partie projets : ouverture d’une modale lors du clic pour avoir plus de place </a:t>
+            </a:r>
+          </a:p>
+          <a:p>
+            <a:pPr>
+              <a:buFont typeface="Courier New" panose="02070309020205020404" pitchFamily="49" charset="0"/>
+              <a:buChar char="o"/>
+            </a:pPr>
+            <a:r>
+              <a:rPr lang="fr-FR" dirty="0"/>
+              <a:t> Mettre le lighthouse a 99-100 </a:t>
+            </a:r>
+          </a:p>
+          <a:p>
+            <a:pPr>
+              <a:buFont typeface="Courier New" panose="02070309020205020404" pitchFamily="49" charset="0"/>
+              <a:buChar char="o"/>
+            </a:pPr>
+            <a:r>
+              <a:rPr lang="fr-FR" dirty="0"/>
+              <a:t> Retravailler le footer plus avoir quelque chose de plus jolie. </a:t>
+            </a:r>
+          </a:p>
+          <a:p>
+            <a:pPr>
+              <a:buFont typeface="Courier New" panose="02070309020205020404" pitchFamily="49" charset="0"/>
+              <a:buChar char="o"/>
+            </a:pPr>
+            <a:r>
+              <a:rPr lang="fr-FR" dirty="0"/>
+              <a:t> Mettre des thèmes : light / dark mode </a:t>
+            </a:r>
+          </a:p>
+        </p:txBody>
+      </p:sp>
+      <p:sp>
+        <p:nvSpPr>
+          <p:cNvPr id="4" name="ZoneTexte 3">
+            <a:extLst>
+              <a:ext uri="{FF2B5EF4-FFF2-40B4-BE49-F238E27FC236}">
+                <a16:creationId xmlns:a16="http://schemas.microsoft.com/office/drawing/2014/main" id="{F8145D13-1D1F-B01F-86E8-008E07F0CBF9}"/>
+              </a:ext>
+            </a:extLst>
+          </p:cNvPr>
+          <p:cNvSpPr txBox="1"/>
+          <p:nvPr/>
+        </p:nvSpPr>
+        <p:spPr>
+          <a:xfrm>
+            <a:off x="495759" y="1222872"/>
+            <a:ext cx="184731" cy="369332"/>
+          </a:xfrm>
+          <a:prstGeom prst="rect">
+            <a:avLst/>
+          </a:prstGeom>
+          <a:noFill/>
+        </p:spPr>
+        <p:txBody>
+          <a:bodyPr wrap="none" rtlCol="0">
+            <a:spAutoFit/>
+          </a:bodyPr>
+          <a:lstStyle/>
+          <a:p>
+            <a:endParaRPr lang="fr-FR" dirty="0"/>
+          </a:p>
+        </p:txBody>
+      </p:sp>
+      <p:pic>
+        <p:nvPicPr>
+          <p:cNvPr id="5" name="Image 4" descr="Une image contenant noir, obscurité&#10;&#10;Description générée automatiquement">
+            <a:extLst>
+              <a:ext uri="{FF2B5EF4-FFF2-40B4-BE49-F238E27FC236}">
+                <a16:creationId xmlns:a16="http://schemas.microsoft.com/office/drawing/2014/main" id="{1D55926A-E42A-0494-5BC0-544F8AD19E50}"/>
+              </a:ext>
+            </a:extLst>
+          </p:cNvPr>
+          <p:cNvPicPr>
+            <a:picLocks noChangeAspect="1"/>
+          </p:cNvPicPr>
+          <p:nvPr/>
+        </p:nvPicPr>
+        <p:blipFill>
+          <a:blip r:embed="rId2"/>
+          <a:stretch>
+            <a:fillRect/>
+          </a:stretch>
+        </p:blipFill>
+        <p:spPr>
+          <a:xfrm>
+            <a:off x="11296444" y="82611"/>
+            <a:ext cx="803675" cy="803675"/>
+          </a:xfrm>
+          <a:prstGeom prst="rect">
+            <a:avLst/>
+          </a:prstGeom>
+        </p:spPr>
+      </p:pic>
+    </p:spTree>
+    <p:extLst>
+      <p:ext uri="{BB962C8B-B14F-4D97-AF65-F5344CB8AC3E}">
+        <p14:creationId xmlns:p14="http://schemas.microsoft.com/office/powerpoint/2010/main" val="1066389447"/>
       </p:ext>
     </p:extLst>
   </p:cSld>
@@ -4867,7 +5299,7 @@
             </a:pPr>
             <a:r>
               <a:rPr lang="fr-FR" dirty="0"/>
-              <a:t>III: Mise en avant des projets réalisés </a:t>
+              <a:t>III. Mise en avant des projets réalisés </a:t>
             </a:r>
           </a:p>
           <a:p>
@@ -5079,7 +5511,7 @@
             </a:pPr>
             <a:r>
               <a:rPr lang="fr-FR" dirty="0"/>
-              <a:t> Montrer mes compétences et développement et aux autres  </a:t>
+              <a:t> Montrer mes compétences en développement</a:t>
             </a:r>
           </a:p>
           <a:p>
@@ -5571,7 +6003,7 @@
             </a:pPr>
             <a:r>
               <a:rPr lang="fr-FR" dirty="0"/>
-              <a:t> Site web en 2 langues : i118n</a:t>
+              <a:t> Site web en 2 langues : i18n</a:t>
             </a:r>
           </a:p>
           <a:p>
@@ -5919,76 +6351,7 @@
                   <a:schemeClr val="tx1"/>
                 </a:solidFill>
               </a:rPr>
-              <a:t>III. Mise en avant des projets réalisés: </a:t>
-            </a:r>
-          </a:p>
-        </p:txBody>
-      </p:sp>
-      <p:sp>
-        <p:nvSpPr>
-          <p:cNvPr id="3" name="Espace réservé du contenu 2">
-            <a:extLst>
-              <a:ext uri="{FF2B5EF4-FFF2-40B4-BE49-F238E27FC236}">
-                <a16:creationId xmlns:a16="http://schemas.microsoft.com/office/drawing/2014/main" id="{69A6387B-7BF8-943F-F7EC-2946F2F4C386}"/>
-              </a:ext>
-            </a:extLst>
-          </p:cNvPr>
-          <p:cNvSpPr>
-            <a:spLocks noGrp="1"/>
-          </p:cNvSpPr>
-          <p:nvPr>
-            <p:ph idx="1"/>
-          </p:nvPr>
-        </p:nvSpPr>
-        <p:spPr>
-          <a:xfrm>
-            <a:off x="1096963" y="2675694"/>
-            <a:ext cx="10058400" cy="3193294"/>
-          </a:xfrm>
-        </p:spPr>
-        <p:txBody>
-          <a:bodyPr>
-            <a:normAutofit/>
-          </a:bodyPr>
-          <a:lstStyle/>
-          <a:p>
-            <a:pPr>
-              <a:buFont typeface="Courier New" panose="02070309020205020404" pitchFamily="49" charset="0"/>
-              <a:buChar char="o"/>
-            </a:pPr>
-            <a:r>
-              <a:rPr lang="fr-FR" dirty="0"/>
-              <a:t> Placement sur le site : juste après la présentation et les compétences, en plein milieu du site</a:t>
-            </a:r>
-          </a:p>
-          <a:p>
-            <a:pPr>
-              <a:buFont typeface="Courier New" panose="02070309020205020404" pitchFamily="49" charset="0"/>
-              <a:buChar char="o"/>
-            </a:pPr>
-            <a:r>
-              <a:rPr lang="fr-FR" dirty="0"/>
-              <a:t> Format de cartes pour chaque projet avec un recto et un verso (petite animation en plus)</a:t>
-            </a:r>
-          </a:p>
-          <a:p>
-            <a:pPr>
-              <a:buFont typeface="Courier New" panose="02070309020205020404" pitchFamily="49" charset="0"/>
-              <a:buChar char="o"/>
-            </a:pPr>
-            <a:r>
-              <a:rPr lang="fr-FR" dirty="0"/>
-              <a:t> Recto : Photo du projet, nom du projet, « learn more » pour cliquer dessus</a:t>
-            </a:r>
-          </a:p>
-          <a:p>
-            <a:pPr>
-              <a:buFont typeface="Courier New" panose="02070309020205020404" pitchFamily="49" charset="0"/>
-              <a:buChar char="o"/>
-            </a:pPr>
-            <a:r>
-              <a:rPr lang="fr-FR" dirty="0"/>
-              <a:t> Verso : titre du projet, texte de présentation, technologies utilisés, lien code et lien site. </a:t>
+              <a:t>II. Présentation du Portfolio : </a:t>
             </a:r>
           </a:p>
         </p:txBody>
@@ -6055,10 +6418,142 @@
           </a:prstGeom>
         </p:spPr>
       </p:pic>
+      <p:pic>
+        <p:nvPicPr>
+          <p:cNvPr id="7" name="Image 6" descr="Une image contenant texte, capture d’écran, logiciel, Logiciel multimédia&#10;&#10;Description générée automatiquement">
+            <a:extLst>
+              <a:ext uri="{FF2B5EF4-FFF2-40B4-BE49-F238E27FC236}">
+                <a16:creationId xmlns:a16="http://schemas.microsoft.com/office/drawing/2014/main" id="{8D9F6148-275E-7F3D-6686-CC00EEF0B76B}"/>
+              </a:ext>
+            </a:extLst>
+          </p:cNvPr>
+          <p:cNvPicPr>
+            <a:picLocks noChangeAspect="1"/>
+          </p:cNvPicPr>
+          <p:nvPr/>
+        </p:nvPicPr>
+        <p:blipFill>
+          <a:blip r:embed="rId3"/>
+          <a:stretch>
+            <a:fillRect/>
+          </a:stretch>
+        </p:blipFill>
+        <p:spPr>
+          <a:xfrm>
+            <a:off x="1161469" y="2588966"/>
+            <a:ext cx="4333921" cy="3489713"/>
+          </a:xfrm>
+          <a:prstGeom prst="rect">
+            <a:avLst/>
+          </a:prstGeom>
+        </p:spPr>
+      </p:pic>
+      <p:pic>
+        <p:nvPicPr>
+          <p:cNvPr id="9" name="Image 8" descr="Une image contenant texte, capture d’écran, logiciel, Logiciel multimédia&#10;&#10;Description générée automatiquement">
+            <a:extLst>
+              <a:ext uri="{FF2B5EF4-FFF2-40B4-BE49-F238E27FC236}">
+                <a16:creationId xmlns:a16="http://schemas.microsoft.com/office/drawing/2014/main" id="{40E5ACC7-17BC-6623-03C6-3DB8A3150836}"/>
+              </a:ext>
+            </a:extLst>
+          </p:cNvPr>
+          <p:cNvPicPr>
+            <a:picLocks noChangeAspect="1"/>
+          </p:cNvPicPr>
+          <p:nvPr/>
+        </p:nvPicPr>
+        <p:blipFill>
+          <a:blip r:embed="rId4"/>
+          <a:stretch>
+            <a:fillRect/>
+          </a:stretch>
+        </p:blipFill>
+        <p:spPr>
+          <a:xfrm>
+            <a:off x="6995058" y="2588967"/>
+            <a:ext cx="4160622" cy="3489714"/>
+          </a:xfrm>
+          <a:prstGeom prst="rect">
+            <a:avLst/>
+          </a:prstGeom>
+        </p:spPr>
+      </p:pic>
+      <p:sp>
+        <p:nvSpPr>
+          <p:cNvPr id="10" name="ZoneTexte 9">
+            <a:extLst>
+              <a:ext uri="{FF2B5EF4-FFF2-40B4-BE49-F238E27FC236}">
+                <a16:creationId xmlns:a16="http://schemas.microsoft.com/office/drawing/2014/main" id="{3B8B8CA5-32F2-D86A-F84F-2645260B3060}"/>
+              </a:ext>
+            </a:extLst>
+          </p:cNvPr>
+          <p:cNvSpPr txBox="1"/>
+          <p:nvPr/>
+        </p:nvSpPr>
+        <p:spPr>
+          <a:xfrm>
+            <a:off x="1521662" y="2115239"/>
+            <a:ext cx="3613533" cy="369332"/>
+          </a:xfrm>
+          <a:prstGeom prst="rect">
+            <a:avLst/>
+          </a:prstGeom>
+          <a:noFill/>
+        </p:spPr>
+        <p:txBody>
+          <a:bodyPr wrap="square" rtlCol="0">
+            <a:spAutoFit/>
+          </a:bodyPr>
+          <a:lstStyle/>
+          <a:p>
+            <a:pPr algn="ctr"/>
+            <a:r>
+              <a:rPr lang="fr-FR" dirty="0"/>
+              <a:t>Lighthouse Desktop</a:t>
+            </a:r>
+          </a:p>
+        </p:txBody>
+      </p:sp>
+      <p:sp>
+        <p:nvSpPr>
+          <p:cNvPr id="11" name="ZoneTexte 10">
+            <a:extLst>
+              <a:ext uri="{FF2B5EF4-FFF2-40B4-BE49-F238E27FC236}">
+                <a16:creationId xmlns:a16="http://schemas.microsoft.com/office/drawing/2014/main" id="{C8B045D5-05B1-5119-1C6C-949967A52AF2}"/>
+              </a:ext>
+            </a:extLst>
+          </p:cNvPr>
+          <p:cNvSpPr txBox="1"/>
+          <p:nvPr/>
+        </p:nvSpPr>
+        <p:spPr>
+          <a:xfrm>
+            <a:off x="7268602" y="2115239"/>
+            <a:ext cx="3613533" cy="369332"/>
+          </a:xfrm>
+          <a:prstGeom prst="rect">
+            <a:avLst/>
+          </a:prstGeom>
+          <a:noFill/>
+        </p:spPr>
+        <p:txBody>
+          <a:bodyPr wrap="square" rtlCol="0">
+            <a:spAutoFit/>
+          </a:bodyPr>
+          <a:lstStyle/>
+          <a:p>
+            <a:pPr algn="ctr"/>
+            <a:r>
+              <a:rPr lang="fr-FR" dirty="0"/>
+              <a:t>Lighthouse Mobile</a:t>
+            </a:r>
+          </a:p>
+        </p:txBody>
+      </p:sp>
     </p:spTree>
     <p:extLst>
       <p:ext uri="{BB962C8B-B14F-4D97-AF65-F5344CB8AC3E}">
-        <p14:creationId xmlns:p14="http://schemas.microsoft.com/office/powerpoint/2010/main" val="1791633263"/>
+        <p14:creationId xmlns:p14="http://schemas.microsoft.com/office/powerpoint/2010/main" val="3450336644"/>
       </p:ext>
     </p:extLst>
   </p:cSld>
@@ -6119,7 +6614,7 @@
                   <a:schemeClr val="tx1"/>
                 </a:solidFill>
               </a:rPr>
-              <a:t>IV. Responsive design: </a:t>
+              <a:t>III. Mise en avant des projets réalisés: </a:t>
             </a:r>
           </a:p>
         </p:txBody>
@@ -6158,15 +6653,37 @@
             </a:pPr>
             <a:r>
               <a:rPr lang="fr-FR" dirty="0"/>
-              <a:t> but recherché : avoir une transition smooth jusqu’à 320 px qui est ma min-</a:t>
-            </a:r>
-            <a:r>
-              <a:rPr lang="fr-FR" dirty="0" err="1"/>
-              <a:t>width</a:t>
-            </a:r>
+              <a:t> Placement sur le site : juste après la présentation et les compétences, en plein milieu du site</a:t>
+            </a:r>
+          </a:p>
+          <a:p>
+            <a:pPr>
+              <a:buFont typeface="Courier New" panose="02070309020205020404" pitchFamily="49" charset="0"/>
+              <a:buChar char="o"/>
+            </a:pPr>
             <a:r>
               <a:rPr lang="fr-FR" dirty="0"/>
-              <a:t>.</a:t>
+              <a:t> Format de cartes pour chaque projet avec un recto et un verso (petite animation en plus)</a:t>
+            </a:r>
+          </a:p>
+          <a:p>
+            <a:pPr>
+              <a:buFont typeface="Courier New" panose="02070309020205020404" pitchFamily="49" charset="0"/>
+              <a:buChar char="o"/>
+            </a:pPr>
+            <a:r>
+              <a:rPr lang="fr-FR" dirty="0"/>
+              <a:t> Recto : Photo du projet, nom du projet, « learn more » pour cliquer dessus</a:t>
+            </a:r>
+          </a:p>
+          <a:p>
+            <a:pPr>
+              <a:buFont typeface="Courier New" panose="02070309020205020404" pitchFamily="49" charset="0"/>
+              <a:buChar char="o"/>
+            </a:pPr>
+            <a:r>
+              <a:rPr lang="fr-FR" dirty="0"/>
+              <a:t> Verso : titre du projet, texte de présentation, technologies utilisés, lien code et lien site. </a:t>
             </a:r>
           </a:p>
         </p:txBody>
@@ -6236,7 +6753,7 @@
     </p:spTree>
     <p:extLst>
       <p:ext uri="{BB962C8B-B14F-4D97-AF65-F5344CB8AC3E}">
-        <p14:creationId xmlns:p14="http://schemas.microsoft.com/office/powerpoint/2010/main" val="3296333441"/>
+        <p14:creationId xmlns:p14="http://schemas.microsoft.com/office/powerpoint/2010/main" val="1791633263"/>
       </p:ext>
     </p:extLst>
   </p:cSld>

--- a/PrésentationP12.pptx
+++ b/PrésentationP12.pptx
@@ -4493,13 +4493,8 @@
             </a:pPr>
             <a:r>
               <a:rPr lang="fr-FR" dirty="0"/>
-              <a:t> Difficultés : installation i18n</a:t>
-            </a:r>
-            <a:r>
-              <a:rPr lang="fr-FR"/>
-              <a:t>, couleurs du site, s</a:t>
-            </a:r>
-            <a:endParaRPr lang="fr-FR" dirty="0"/>
+              <a:t> Difficultés : installation i18n, couleurs du site (accessibilité), </a:t>
+            </a:r>
           </a:p>
         </p:txBody>
       </p:sp>

--- a/PrésentationP12.pptx
+++ b/PrésentationP12.pptx
@@ -8,15 +8,16 @@
     <p:sldId id="256" r:id="rId2"/>
     <p:sldId id="257" r:id="rId3"/>
     <p:sldId id="259" r:id="rId4"/>
-    <p:sldId id="260" r:id="rId5"/>
-    <p:sldId id="261" r:id="rId6"/>
-    <p:sldId id="262" r:id="rId7"/>
-    <p:sldId id="263" r:id="rId8"/>
-    <p:sldId id="267" r:id="rId9"/>
-    <p:sldId id="264" r:id="rId10"/>
-    <p:sldId id="266" r:id="rId11"/>
-    <p:sldId id="268" r:id="rId12"/>
-    <p:sldId id="269" r:id="rId13"/>
+    <p:sldId id="270" r:id="rId5"/>
+    <p:sldId id="260" r:id="rId6"/>
+    <p:sldId id="261" r:id="rId7"/>
+    <p:sldId id="262" r:id="rId8"/>
+    <p:sldId id="263" r:id="rId9"/>
+    <p:sldId id="267" r:id="rId10"/>
+    <p:sldId id="264" r:id="rId11"/>
+    <p:sldId id="266" r:id="rId12"/>
+    <p:sldId id="268" r:id="rId13"/>
+    <p:sldId id="269" r:id="rId14"/>
   </p:sldIdLst>
   <p:sldSz cx="12192000" cy="6858000"/>
   <p:notesSz cx="6858000" cy="9144000"/>
@@ -367,7 +368,7 @@
           <a:p>
             <a:fld id="{9184DA70-C731-4C70-880D-CCD4705E623C}" type="datetime1">
               <a:rPr lang="en-US" smtClean="0"/>
-              <a:t>7/29/24</a:t>
+              <a:t>8/5/24</a:t>
             </a:fld>
             <a:endParaRPr lang="en-US" dirty="0"/>
           </a:p>
@@ -555,7 +556,7 @@
           <a:p>
             <a:fld id="{B612A279-0833-481D-8C56-F67FD0AC6C50}" type="datetime1">
               <a:rPr lang="en-US" smtClean="0"/>
-              <a:t>7/29/24</a:t>
+              <a:t>8/5/24</a:t>
             </a:fld>
             <a:endParaRPr lang="en-US" dirty="0"/>
           </a:p>
@@ -797,7 +798,7 @@
           <a:p>
             <a:fld id="{6587DA83-5663-4C9C-B9AA-0B40A3DAFF81}" type="datetime1">
               <a:rPr lang="en-US" smtClean="0"/>
-              <a:t>7/29/24</a:t>
+              <a:t>8/5/24</a:t>
             </a:fld>
             <a:endParaRPr lang="en-US" dirty="0"/>
           </a:p>
@@ -985,7 +986,7 @@
           <a:p>
             <a:fld id="{4BE1D723-8F53-4F53-90B0-1982A396982E}" type="datetime1">
               <a:rPr lang="en-US" smtClean="0"/>
-              <a:t>7/29/24</a:t>
+              <a:t>8/5/24</a:t>
             </a:fld>
             <a:endParaRPr lang="en-US" dirty="0"/>
           </a:p>
@@ -1358,7 +1359,7 @@
           <a:p>
             <a:fld id="{97669AF7-7BEB-44E4-9852-375E34362B5B}" type="datetime1">
               <a:rPr lang="en-US" smtClean="0"/>
-              <a:t>7/29/24</a:t>
+              <a:t>8/5/24</a:t>
             </a:fld>
             <a:endParaRPr lang="en-US" dirty="0"/>
           </a:p>
@@ -1613,7 +1614,7 @@
           <a:p>
             <a:fld id="{BAAAC38D-0552-4C82-B593-E6124DFADBE2}" type="datetime1">
               <a:rPr lang="en-US" smtClean="0"/>
-              <a:t>7/29/24</a:t>
+              <a:t>8/5/24</a:t>
             </a:fld>
             <a:endParaRPr lang="en-US" dirty="0"/>
           </a:p>
@@ -2010,7 +2011,7 @@
           <a:p>
             <a:fld id="{D9DF0F1C-5577-4ACB-BB62-DF8F3C494C7E}" type="datetime1">
               <a:rPr lang="en-US" smtClean="0"/>
-              <a:t>7/29/24</a:t>
+              <a:t>8/5/24</a:t>
             </a:fld>
             <a:endParaRPr lang="en-US" dirty="0"/>
           </a:p>
@@ -2146,7 +2147,7 @@
           <a:p>
             <a:fld id="{1775B394-D9F9-4F0C-B15D-605F45CB9E9F}" type="datetime1">
               <a:rPr lang="en-US" smtClean="0"/>
-              <a:t>7/29/24</a:t>
+              <a:t>8/5/24</a:t>
             </a:fld>
             <a:endParaRPr lang="en-US" dirty="0"/>
           </a:p>
@@ -2303,7 +2304,7 @@
           <a:p>
             <a:fld id="{39667345-2558-425A-8533-9BFDBCE15005}" type="datetime1">
               <a:rPr lang="en-US" smtClean="0"/>
-              <a:t>7/29/24</a:t>
+              <a:t>8/5/24</a:t>
             </a:fld>
             <a:endParaRPr lang="en-US" dirty="0"/>
           </a:p>
@@ -2632,7 +2633,7 @@
           <a:p>
             <a:fld id="{92BEA474-078D-4E9B-9B14-09A87B19DC46}" type="datetime1">
               <a:rPr lang="en-US" smtClean="0"/>
-              <a:t>7/29/24</a:t>
+              <a:t>8/5/24</a:t>
             </a:fld>
             <a:endParaRPr lang="en-US" dirty="0"/>
           </a:p>
@@ -2982,7 +2983,7 @@
           <a:p>
             <a:fld id="{4907D986-8816-4272-A432-0437A28A9828}" type="datetime1">
               <a:rPr lang="en-US" smtClean="0"/>
-              <a:t>7/29/24</a:t>
+              <a:t>8/5/24</a:t>
             </a:fld>
             <a:endParaRPr lang="en-US" dirty="0"/>
           </a:p>
@@ -3243,7 +3244,7 @@
           <a:p>
             <a:fld id="{62D6E202-B606-4609-B914-27C9371A1F6D}" type="datetime1">
               <a:rPr lang="en-US" smtClean="0"/>
-              <a:t>7/29/24</a:t>
+              <a:t>8/5/24</a:t>
             </a:fld>
             <a:endParaRPr lang="en-US" dirty="0"/>
           </a:p>
@@ -4229,7 +4230,7 @@
                   <a:schemeClr val="tx1"/>
                 </a:solidFill>
               </a:rPr>
-              <a:t>IV. Responsive design: </a:t>
+              <a:t>III. Mise en avant des projets réalisés: </a:t>
             </a:r>
           </a:p>
         </p:txBody>
@@ -4268,15 +4269,7 @@
             </a:pPr>
             <a:r>
               <a:rPr lang="fr-FR" dirty="0"/>
-              <a:t> but recherché : avoir une transition smooth jusqu’à 320 px qui est ma min-</a:t>
-            </a:r>
-            <a:r>
-              <a:rPr lang="fr-FR" dirty="0" err="1"/>
-              <a:t>width</a:t>
-            </a:r>
-            <a:r>
-              <a:rPr lang="fr-FR" dirty="0"/>
-              <a:t>.</a:t>
+              <a:t> Placement sur le site : juste après la présentation et les compétences, en plein milieu du site</a:t>
             </a:r>
           </a:p>
           <a:p>
@@ -4286,7 +4279,27 @@
             </a:pPr>
             <a:r>
               <a:rPr lang="fr-FR" dirty="0"/>
-              <a:t> toujours la même pensée : simple et lisible </a:t>
+              <a:t> Format de cartes pour chaque projet avec un recto et un verso (petite animation en plus)</a:t>
+            </a:r>
+          </a:p>
+          <a:p>
+            <a:pPr>
+              <a:buFont typeface="Courier New" panose="02070309020205020404" pitchFamily="49" charset="0"/>
+              <a:buChar char="o"/>
+            </a:pPr>
+            <a:r>
+              <a:rPr lang="fr-FR" dirty="0"/>
+              <a:t> Recto : Photo du projet, nom du projet, « learn more » pour cliquer dessus</a:t>
+            </a:r>
+          </a:p>
+          <a:p>
+            <a:pPr>
+              <a:buFont typeface="Courier New" panose="02070309020205020404" pitchFamily="49" charset="0"/>
+              <a:buChar char="o"/>
+            </a:pPr>
+            <a:r>
+              <a:rPr lang="fr-FR" dirty="0"/>
+              <a:t> Verso : titre du projet, texte de présentation, technologies utilisés, lien code et lien site. </a:t>
             </a:r>
           </a:p>
         </p:txBody>
@@ -4356,7 +4369,7 @@
     </p:spTree>
     <p:extLst>
       <p:ext uri="{BB962C8B-B14F-4D97-AF65-F5344CB8AC3E}">
-        <p14:creationId xmlns:p14="http://schemas.microsoft.com/office/powerpoint/2010/main" val="3296333441"/>
+        <p14:creationId xmlns:p14="http://schemas.microsoft.com/office/powerpoint/2010/main" val="1791633263"/>
       </p:ext>
     </p:extLst>
   </p:cSld>
@@ -4417,6 +4430,194 @@
                   <a:schemeClr val="tx1"/>
                 </a:solidFill>
               </a:rPr>
+              <a:t>IV. Responsive design: </a:t>
+            </a:r>
+          </a:p>
+        </p:txBody>
+      </p:sp>
+      <p:sp>
+        <p:nvSpPr>
+          <p:cNvPr id="3" name="Espace réservé du contenu 2">
+            <a:extLst>
+              <a:ext uri="{FF2B5EF4-FFF2-40B4-BE49-F238E27FC236}">
+                <a16:creationId xmlns:a16="http://schemas.microsoft.com/office/drawing/2014/main" id="{69A6387B-7BF8-943F-F7EC-2946F2F4C386}"/>
+              </a:ext>
+            </a:extLst>
+          </p:cNvPr>
+          <p:cNvSpPr>
+            <a:spLocks noGrp="1"/>
+          </p:cNvSpPr>
+          <p:nvPr>
+            <p:ph idx="1"/>
+          </p:nvPr>
+        </p:nvSpPr>
+        <p:spPr>
+          <a:xfrm>
+            <a:off x="1096963" y="2675694"/>
+            <a:ext cx="10058400" cy="3193294"/>
+          </a:xfrm>
+        </p:spPr>
+        <p:txBody>
+          <a:bodyPr>
+            <a:normAutofit/>
+          </a:bodyPr>
+          <a:lstStyle/>
+          <a:p>
+            <a:pPr>
+              <a:buFont typeface="Courier New" panose="02070309020205020404" pitchFamily="49" charset="0"/>
+              <a:buChar char="o"/>
+            </a:pPr>
+            <a:r>
+              <a:rPr lang="fr-FR" dirty="0"/>
+              <a:t> but recherché : avoir une transition smooth jusqu’à 320 px qui est ma min-</a:t>
+            </a:r>
+            <a:r>
+              <a:rPr lang="fr-FR" dirty="0" err="1"/>
+              <a:t>width</a:t>
+            </a:r>
+            <a:r>
+              <a:rPr lang="fr-FR" dirty="0"/>
+              <a:t>.</a:t>
+            </a:r>
+          </a:p>
+          <a:p>
+            <a:pPr>
+              <a:buFont typeface="Courier New" panose="02070309020205020404" pitchFamily="49" charset="0"/>
+              <a:buChar char="o"/>
+            </a:pPr>
+            <a:r>
+              <a:rPr lang="fr-FR" dirty="0"/>
+              <a:t> toujours la même pensée : simple et lisible </a:t>
+            </a:r>
+          </a:p>
+        </p:txBody>
+      </p:sp>
+      <p:sp>
+        <p:nvSpPr>
+          <p:cNvPr id="4" name="ZoneTexte 3">
+            <a:extLst>
+              <a:ext uri="{FF2B5EF4-FFF2-40B4-BE49-F238E27FC236}">
+                <a16:creationId xmlns:a16="http://schemas.microsoft.com/office/drawing/2014/main" id="{F8145D13-1D1F-B01F-86E8-008E07F0CBF9}"/>
+              </a:ext>
+            </a:extLst>
+          </p:cNvPr>
+          <p:cNvSpPr txBox="1"/>
+          <p:nvPr/>
+        </p:nvSpPr>
+        <p:spPr>
+          <a:xfrm>
+            <a:off x="495759" y="1222872"/>
+            <a:ext cx="184731" cy="369332"/>
+          </a:xfrm>
+          <a:prstGeom prst="rect">
+            <a:avLst/>
+          </a:prstGeom>
+          <a:noFill/>
+        </p:spPr>
+        <p:txBody>
+          <a:bodyPr wrap="none" rtlCol="0">
+            <a:spAutoFit/>
+          </a:bodyPr>
+          <a:lstStyle/>
+          <a:p>
+            <a:endParaRPr lang="fr-FR" dirty="0"/>
+          </a:p>
+        </p:txBody>
+      </p:sp>
+      <p:pic>
+        <p:nvPicPr>
+          <p:cNvPr id="5" name="Image 4" descr="Une image contenant noir, obscurité&#10;&#10;Description générée automatiquement">
+            <a:extLst>
+              <a:ext uri="{FF2B5EF4-FFF2-40B4-BE49-F238E27FC236}">
+                <a16:creationId xmlns:a16="http://schemas.microsoft.com/office/drawing/2014/main" id="{1D55926A-E42A-0494-5BC0-544F8AD19E50}"/>
+              </a:ext>
+            </a:extLst>
+          </p:cNvPr>
+          <p:cNvPicPr>
+            <a:picLocks noChangeAspect="1"/>
+          </p:cNvPicPr>
+          <p:nvPr/>
+        </p:nvPicPr>
+        <p:blipFill>
+          <a:blip r:embed="rId2"/>
+          <a:stretch>
+            <a:fillRect/>
+          </a:stretch>
+        </p:blipFill>
+        <p:spPr>
+          <a:xfrm>
+            <a:off x="11296444" y="82611"/>
+            <a:ext cx="803675" cy="803675"/>
+          </a:xfrm>
+          <a:prstGeom prst="rect">
+            <a:avLst/>
+          </a:prstGeom>
+        </p:spPr>
+      </p:pic>
+    </p:spTree>
+    <p:extLst>
+      <p:ext uri="{BB962C8B-B14F-4D97-AF65-F5344CB8AC3E}">
+        <p14:creationId xmlns:p14="http://schemas.microsoft.com/office/powerpoint/2010/main" val="3296333441"/>
+      </p:ext>
+    </p:extLst>
+  </p:cSld>
+  <p:clrMapOvr>
+    <a:masterClrMapping/>
+  </p:clrMapOvr>
+</p:sld>
+</file>
+
+<file path=ppt/slides/slide12.xml><?xml version="1.0" encoding="utf-8"?>
+<p:sld xmlns:a="http://schemas.openxmlformats.org/drawingml/2006/main" xmlns:r="http://schemas.openxmlformats.org/officeDocument/2006/relationships" xmlns:p="http://schemas.openxmlformats.org/presentationml/2006/main">
+  <p:cSld>
+    <p:spTree>
+      <p:nvGrpSpPr>
+        <p:cNvPr id="1" name=""/>
+        <p:cNvGrpSpPr/>
+        <p:nvPr/>
+      </p:nvGrpSpPr>
+      <p:grpSpPr>
+        <a:xfrm>
+          <a:off x="0" y="0"/>
+          <a:ext cx="0" cy="0"/>
+          <a:chOff x="0" y="0"/>
+          <a:chExt cx="0" cy="0"/>
+        </a:xfrm>
+      </p:grpSpPr>
+      <p:sp>
+        <p:nvSpPr>
+          <p:cNvPr id="2" name="Titre 1">
+            <a:extLst>
+              <a:ext uri="{FF2B5EF4-FFF2-40B4-BE49-F238E27FC236}">
+                <a16:creationId xmlns:a16="http://schemas.microsoft.com/office/drawing/2014/main" id="{4538DF37-7D7D-5D95-4F6A-C5028732BC9D}"/>
+              </a:ext>
+            </a:extLst>
+          </p:cNvPr>
+          <p:cNvSpPr>
+            <a:spLocks noGrp="1"/>
+          </p:cNvSpPr>
+          <p:nvPr>
+            <p:ph type="title"/>
+          </p:nvPr>
+        </p:nvSpPr>
+        <p:spPr>
+          <a:xfrm>
+            <a:off x="1097280" y="286603"/>
+            <a:ext cx="10058400" cy="1450757"/>
+          </a:xfrm>
+        </p:spPr>
+        <p:txBody>
+          <a:bodyPr anchor="ctr">
+            <a:normAutofit/>
+          </a:bodyPr>
+          <a:lstStyle/>
+          <a:p>
+            <a:r>
+              <a:rPr lang="fr-FR" u="sng" dirty="0">
+                <a:solidFill>
+                  <a:schemeClr val="tx1"/>
+                </a:solidFill>
+              </a:rPr>
               <a:t>V. Présentation du code : </a:t>
             </a:r>
           </a:p>
@@ -4573,7 +4774,7 @@
 </p:sld>
 </file>
 
-<file path=ppt/slides/slide12.xml><?xml version="1.0" encoding="utf-8"?>
+<file path=ppt/slides/slide13.xml><?xml version="1.0" encoding="utf-8"?>
 <p:sld xmlns:a="http://schemas.openxmlformats.org/drawingml/2006/main" xmlns:r="http://schemas.openxmlformats.org/officeDocument/2006/relationships" xmlns:p="http://schemas.openxmlformats.org/presentationml/2006/main">
   <p:cSld>
     <p:spTree>
@@ -5048,38 +5249,13 @@
             </a:pPr>
             <a:r>
               <a:rPr lang="fr-FR" dirty="0"/>
-              <a:t> Fin de parcours : création de son propre portfolio :</a:t>
-            </a:r>
-          </a:p>
-          <a:p>
-            <a:pPr lvl="1">
-              <a:buFont typeface="Arial" panose="020B0604020202020204" pitchFamily="34" charset="0"/>
-              <a:buChar char="•"/>
-            </a:pPr>
-            <a:r>
-              <a:rPr lang="fr-FR" dirty="0"/>
-              <a:t>Montrer les projets réalisés.</a:t>
-            </a:r>
-          </a:p>
-          <a:p>
-            <a:pPr lvl="1">
-              <a:buFont typeface="Arial" panose="020B0604020202020204" pitchFamily="34" charset="0"/>
-              <a:buChar char="•"/>
-            </a:pPr>
-            <a:r>
-              <a:rPr lang="fr-FR" dirty="0"/>
-              <a:t>Montrer sa propre créativité</a:t>
-            </a:r>
-          </a:p>
-          <a:p>
-            <a:pPr lvl="1">
-              <a:buFont typeface="Arial" panose="020B0604020202020204" pitchFamily="34" charset="0"/>
-              <a:buChar char="•"/>
-            </a:pPr>
-            <a:r>
-              <a:rPr lang="fr-FR" dirty="0"/>
-              <a:t>Fait office de CV  </a:t>
-            </a:r>
+              <a:t> Avant : digital marketing </a:t>
+            </a:r>
+            <a:r>
+              <a:rPr lang="fr-FR"/>
+              <a:t>et communication</a:t>
+            </a:r>
+            <a:endParaRPr lang="fr-FR" dirty="0"/>
           </a:p>
         </p:txBody>
       </p:sp>
@@ -5496,7 +5672,7 @@
             </a:pPr>
             <a:r>
               <a:rPr lang="fr-FR" dirty="0"/>
-              <a:t>Qu’est-ce que je veux montrer dans mon portfolio et quelle fonction je veux mettre dedans :</a:t>
+              <a:t>Un portfolio a pour but :</a:t>
             </a:r>
           </a:p>
           <a:p>
@@ -5506,7 +5682,7 @@
             </a:pPr>
             <a:r>
               <a:rPr lang="fr-FR" dirty="0"/>
-              <a:t> Montrer mes compétences en développement</a:t>
+              <a:t> Montrer les projets réalisés.</a:t>
             </a:r>
           </a:p>
           <a:p>
@@ -5516,7 +5692,7 @@
             </a:pPr>
             <a:r>
               <a:rPr lang="fr-FR" dirty="0"/>
-              <a:t> Montrer les projets réalisés avec OpenClassrooms</a:t>
+              <a:t> Montrer ses compétences. </a:t>
             </a:r>
           </a:p>
           <a:p>
@@ -5526,7 +5702,7 @@
             </a:pPr>
             <a:r>
               <a:rPr lang="fr-FR" dirty="0"/>
-              <a:t> Avoir un site en deux langues : Français et Anglais </a:t>
+              <a:t> Montrer sa propre créativité.</a:t>
             </a:r>
           </a:p>
           <a:p>
@@ -5536,7 +5712,7 @@
             </a:pPr>
             <a:r>
               <a:rPr lang="fr-FR" dirty="0"/>
-              <a:t> Un site simple, lisible  avec un design logique et cohérent</a:t>
+              <a:t> Fait office de CV.  </a:t>
             </a:r>
           </a:p>
         </p:txBody>
@@ -5606,7 +5782,7 @@
     </p:spTree>
     <p:extLst>
       <p:ext uri="{BB962C8B-B14F-4D97-AF65-F5344CB8AC3E}">
-        <p14:creationId xmlns:p14="http://schemas.microsoft.com/office/powerpoint/2010/main" val="2447413649"/>
+        <p14:creationId xmlns:p14="http://schemas.microsoft.com/office/powerpoint/2010/main" val="922207981"/>
       </p:ext>
     </p:extLst>
   </p:cSld>
@@ -5705,7 +5881,7 @@
             </a:pPr>
             <a:r>
               <a:rPr lang="fr-FR" dirty="0"/>
-              <a:t>Avant de commencer le développement, je me suis demander quelle technologie utiliser pour la création de mon portfolio : </a:t>
+              <a:t>Qu’est-ce que je veux montrer dans mon portfolio et quelle fonction je veux mettre dedans :</a:t>
             </a:r>
           </a:p>
           <a:p>
@@ -5715,7 +5891,7 @@
             </a:pPr>
             <a:r>
               <a:rPr lang="fr-FR" dirty="0"/>
-              <a:t> HTML </a:t>
+              <a:t> Montrer mes compétences en développement</a:t>
             </a:r>
           </a:p>
           <a:p>
@@ -5725,7 +5901,7 @@
             </a:pPr>
             <a:r>
               <a:rPr lang="fr-FR" dirty="0"/>
-              <a:t> Javascript </a:t>
+              <a:t> Montrer les projets réalisés avec OpenClassrooms</a:t>
             </a:r>
           </a:p>
           <a:p>
@@ -5735,16 +5911,17 @@
             </a:pPr>
             <a:r>
               <a:rPr lang="fr-FR" dirty="0"/>
-              <a:t> React</a:t>
-            </a:r>
-          </a:p>
-          <a:p>
-            <a:pPr marL="0" indent="0">
-              <a:buNone/>
+              <a:t> Avoir un site en deux langues : Français et Anglais </a:t>
+            </a:r>
+          </a:p>
+          <a:p>
+            <a:pPr>
+              <a:buFont typeface="Courier New" panose="02070309020205020404" pitchFamily="49" charset="0"/>
+              <a:buChar char="o"/>
             </a:pPr>
             <a:r>
               <a:rPr lang="fr-FR" dirty="0"/>
-              <a:t>      React me semble plus approprié : moderne, meilleure performance desktop ou mobile et SEO friendly</a:t>
+              <a:t> Un site simple, lisible  avec un design logique et cohérent</a:t>
             </a:r>
           </a:p>
         </p:txBody>
@@ -5811,64 +5988,10 @@
           </a:prstGeom>
         </p:spPr>
       </p:pic>
-      <p:sp>
-        <p:nvSpPr>
-          <p:cNvPr id="6" name="Flèche vers la droite 5">
-            <a:extLst>
-              <a:ext uri="{FF2B5EF4-FFF2-40B4-BE49-F238E27FC236}">
-                <a16:creationId xmlns:a16="http://schemas.microsoft.com/office/drawing/2014/main" id="{9D744B8B-E7D9-AE2B-7E5D-D4FFB42697A8}"/>
-              </a:ext>
-            </a:extLst>
-          </p:cNvPr>
-          <p:cNvSpPr/>
-          <p:nvPr/>
-        </p:nvSpPr>
-        <p:spPr>
-          <a:xfrm>
-            <a:off x="1096963" y="5163670"/>
-            <a:ext cx="311972" cy="172123"/>
-          </a:xfrm>
-          <a:prstGeom prst="rightArrow">
-            <a:avLst/>
-          </a:prstGeom>
-          <a:solidFill>
-            <a:schemeClr val="accent1"/>
-          </a:solidFill>
-          <a:ln>
-            <a:solidFill>
-              <a:schemeClr val="accent1"/>
-            </a:solidFill>
-          </a:ln>
-        </p:spPr>
-        <p:style>
-          <a:lnRef idx="2">
-            <a:schemeClr val="accent1">
-              <a:shade val="15000"/>
-            </a:schemeClr>
-          </a:lnRef>
-          <a:fillRef idx="1">
-            <a:schemeClr val="accent1"/>
-          </a:fillRef>
-          <a:effectRef idx="0">
-            <a:schemeClr val="accent1"/>
-          </a:effectRef>
-          <a:fontRef idx="minor">
-            <a:schemeClr val="lt1"/>
-          </a:fontRef>
-        </p:style>
-        <p:txBody>
-          <a:bodyPr rtlCol="0" anchor="ctr"/>
-          <a:lstStyle/>
-          <a:p>
-            <a:pPr algn="ctr"/>
-            <a:endParaRPr lang="fr-FR"/>
-          </a:p>
-        </p:txBody>
-      </p:sp>
     </p:spTree>
     <p:extLst>
       <p:ext uri="{BB962C8B-B14F-4D97-AF65-F5344CB8AC3E}">
-        <p14:creationId xmlns:p14="http://schemas.microsoft.com/office/powerpoint/2010/main" val="3792288468"/>
+        <p14:creationId xmlns:p14="http://schemas.microsoft.com/office/powerpoint/2010/main" val="2447413649"/>
       </p:ext>
     </p:extLst>
   </p:cSld>
@@ -5962,13 +6085,22 @@
           </a:bodyPr>
           <a:lstStyle/>
           <a:p>
+            <a:pPr marL="0" indent="0">
+              <a:buNone/>
+            </a:pPr>
+            <a:r>
+              <a:rPr lang="fr-FR" dirty="0"/>
+              <a:t>Avant de commencer le développement, je me suis demander quelle technologie utiliser pour la création de mon portfolio : </a:t>
+            </a:r>
+          </a:p>
+          <a:p>
             <a:pPr>
               <a:buFont typeface="Courier New" panose="02070309020205020404" pitchFamily="49" charset="0"/>
               <a:buChar char="o"/>
             </a:pPr>
             <a:r>
               <a:rPr lang="fr-FR" dirty="0"/>
-              <a:t> Technologies utilisées : React et CSS. </a:t>
+              <a:t> HTML </a:t>
             </a:r>
           </a:p>
           <a:p>
@@ -5978,7 +6110,7 @@
             </a:pPr>
             <a:r>
               <a:rPr lang="fr-FR" dirty="0"/>
-              <a:t> Mon code est stocké sur GitHub</a:t>
+              <a:t> Javascript </a:t>
             </a:r>
           </a:p>
           <a:p>
@@ -5988,27 +6120,16 @@
             </a:pPr>
             <a:r>
               <a:rPr lang="fr-FR" dirty="0"/>
-              <a:t> Déploiement sur Vercell </a:t>
-            </a:r>
-          </a:p>
-          <a:p>
-            <a:pPr>
-              <a:buFont typeface="Courier New" panose="02070309020205020404" pitchFamily="49" charset="0"/>
-              <a:buChar char="o"/>
+              <a:t> React</a:t>
+            </a:r>
+          </a:p>
+          <a:p>
+            <a:pPr marL="0" indent="0">
+              <a:buNone/>
             </a:pPr>
             <a:r>
               <a:rPr lang="fr-FR" dirty="0"/>
-              <a:t> Site web en 2 langues : i18n</a:t>
-            </a:r>
-          </a:p>
-          <a:p>
-            <a:pPr>
-              <a:buFont typeface="Courier New" panose="02070309020205020404" pitchFamily="49" charset="0"/>
-              <a:buChar char="o"/>
-            </a:pPr>
-            <a:r>
-              <a:rPr lang="fr-FR" dirty="0"/>
-              <a:t> Contact : EmailJS</a:t>
+              <a:t>      React me semble plus approprié : moderne, meilleure performance desktop ou mobile et SEO friendly</a:t>
             </a:r>
           </a:p>
         </p:txBody>
@@ -6075,10 +6196,64 @@
           </a:prstGeom>
         </p:spPr>
       </p:pic>
+      <p:sp>
+        <p:nvSpPr>
+          <p:cNvPr id="6" name="Flèche vers la droite 5">
+            <a:extLst>
+              <a:ext uri="{FF2B5EF4-FFF2-40B4-BE49-F238E27FC236}">
+                <a16:creationId xmlns:a16="http://schemas.microsoft.com/office/drawing/2014/main" id="{9D744B8B-E7D9-AE2B-7E5D-D4FFB42697A8}"/>
+              </a:ext>
+            </a:extLst>
+          </p:cNvPr>
+          <p:cNvSpPr/>
+          <p:nvPr/>
+        </p:nvSpPr>
+        <p:spPr>
+          <a:xfrm>
+            <a:off x="1096963" y="5163670"/>
+            <a:ext cx="311972" cy="172123"/>
+          </a:xfrm>
+          <a:prstGeom prst="rightArrow">
+            <a:avLst/>
+          </a:prstGeom>
+          <a:solidFill>
+            <a:schemeClr val="accent1"/>
+          </a:solidFill>
+          <a:ln>
+            <a:solidFill>
+              <a:schemeClr val="accent1"/>
+            </a:solidFill>
+          </a:ln>
+        </p:spPr>
+        <p:style>
+          <a:lnRef idx="2">
+            <a:schemeClr val="accent1">
+              <a:shade val="15000"/>
+            </a:schemeClr>
+          </a:lnRef>
+          <a:fillRef idx="1">
+            <a:schemeClr val="accent1"/>
+          </a:fillRef>
+          <a:effectRef idx="0">
+            <a:schemeClr val="accent1"/>
+          </a:effectRef>
+          <a:fontRef idx="minor">
+            <a:schemeClr val="lt1"/>
+          </a:fontRef>
+        </p:style>
+        <p:txBody>
+          <a:bodyPr rtlCol="0" anchor="ctr"/>
+          <a:lstStyle/>
+          <a:p>
+            <a:pPr algn="ctr"/>
+            <a:endParaRPr lang="fr-FR"/>
+          </a:p>
+        </p:txBody>
+      </p:sp>
     </p:spTree>
     <p:extLst>
       <p:ext uri="{BB962C8B-B14F-4D97-AF65-F5344CB8AC3E}">
-        <p14:creationId xmlns:p14="http://schemas.microsoft.com/office/powerpoint/2010/main" val="2520740393"/>
+        <p14:creationId xmlns:p14="http://schemas.microsoft.com/office/powerpoint/2010/main" val="3792288468"/>
       </p:ext>
     </p:extLst>
   </p:cSld>
@@ -6139,7 +6314,7 @@
                   <a:schemeClr val="tx1"/>
                 </a:solidFill>
               </a:rPr>
-              <a:t>II. Présentation du Portfolio : </a:t>
+              <a:t>I. Solutions techniques : </a:t>
             </a:r>
           </a:p>
         </p:txBody>
@@ -6178,15 +6353,8 @@
             </a:pPr>
             <a:r>
               <a:rPr lang="fr-FR" dirty="0"/>
-              <a:t> Portfolio :  </a:t>
-            </a:r>
-            <a:r>
-              <a:rPr lang="fr-FR" dirty="0">
-                <a:hlinkClick r:id="rId2"/>
-              </a:rPr>
-              <a:t>https://mathcoc.vercel.app</a:t>
-            </a:r>
-            <a:endParaRPr lang="fr-FR" dirty="0"/>
+              <a:t> Technologies utilisées : React et CSS. </a:t>
+            </a:r>
           </a:p>
           <a:p>
             <a:pPr>
@@ -6195,7 +6363,7 @@
             </a:pPr>
             <a:r>
               <a:rPr lang="fr-FR" dirty="0"/>
-              <a:t> Header</a:t>
+              <a:t> Mon code est stocké sur GitHub</a:t>
             </a:r>
           </a:p>
           <a:p>
@@ -6205,7 +6373,7 @@
             </a:pPr>
             <a:r>
               <a:rPr lang="fr-FR" dirty="0"/>
-              <a:t> 5 sections : présentation, compétence, projets, témoignages, contact</a:t>
+              <a:t> Déploiement sur Vercell </a:t>
             </a:r>
           </a:p>
           <a:p>
@@ -6215,7 +6383,17 @@
             </a:pPr>
             <a:r>
               <a:rPr lang="fr-FR" dirty="0"/>
-              <a:t> Footer  </a:t>
+              <a:t> Site web en 2 langues : i18n</a:t>
+            </a:r>
+          </a:p>
+          <a:p>
+            <a:pPr>
+              <a:buFont typeface="Courier New" panose="02070309020205020404" pitchFamily="49" charset="0"/>
+              <a:buChar char="o"/>
+            </a:pPr>
+            <a:r>
+              <a:rPr lang="fr-FR" dirty="0"/>
+              <a:t> Contact : EmailJS</a:t>
             </a:r>
           </a:p>
         </p:txBody>
@@ -6267,7 +6445,7 @@
           <p:nvPr/>
         </p:nvPicPr>
         <p:blipFill>
-          <a:blip r:embed="rId3"/>
+          <a:blip r:embed="rId2"/>
           <a:stretch>
             <a:fillRect/>
           </a:stretch>
@@ -6285,7 +6463,7 @@
     </p:spTree>
     <p:extLst>
       <p:ext uri="{BB962C8B-B14F-4D97-AF65-F5344CB8AC3E}">
-        <p14:creationId xmlns:p14="http://schemas.microsoft.com/office/powerpoint/2010/main" val="3129436304"/>
+        <p14:creationId xmlns:p14="http://schemas.microsoft.com/office/powerpoint/2010/main" val="2520740393"/>
       </p:ext>
     </p:extLst>
   </p:cSld>
@@ -6353,6 +6531,82 @@
       </p:sp>
       <p:sp>
         <p:nvSpPr>
+          <p:cNvPr id="3" name="Espace réservé du contenu 2">
+            <a:extLst>
+              <a:ext uri="{FF2B5EF4-FFF2-40B4-BE49-F238E27FC236}">
+                <a16:creationId xmlns:a16="http://schemas.microsoft.com/office/drawing/2014/main" id="{69A6387B-7BF8-943F-F7EC-2946F2F4C386}"/>
+              </a:ext>
+            </a:extLst>
+          </p:cNvPr>
+          <p:cNvSpPr>
+            <a:spLocks noGrp="1"/>
+          </p:cNvSpPr>
+          <p:nvPr>
+            <p:ph idx="1"/>
+          </p:nvPr>
+        </p:nvSpPr>
+        <p:spPr>
+          <a:xfrm>
+            <a:off x="1096963" y="2675694"/>
+            <a:ext cx="10058400" cy="3193294"/>
+          </a:xfrm>
+        </p:spPr>
+        <p:txBody>
+          <a:bodyPr>
+            <a:normAutofit/>
+          </a:bodyPr>
+          <a:lstStyle/>
+          <a:p>
+            <a:pPr>
+              <a:buFont typeface="Courier New" panose="02070309020205020404" pitchFamily="49" charset="0"/>
+              <a:buChar char="o"/>
+            </a:pPr>
+            <a:r>
+              <a:rPr lang="fr-FR" dirty="0"/>
+              <a:t> Portfolio :  </a:t>
+            </a:r>
+            <a:r>
+              <a:rPr lang="fr-FR" dirty="0">
+                <a:hlinkClick r:id="rId2"/>
+              </a:rPr>
+              <a:t>https://mathcoc.vercel.app</a:t>
+            </a:r>
+            <a:endParaRPr lang="fr-FR" dirty="0"/>
+          </a:p>
+          <a:p>
+            <a:pPr>
+              <a:buFont typeface="Courier New" panose="02070309020205020404" pitchFamily="49" charset="0"/>
+              <a:buChar char="o"/>
+            </a:pPr>
+            <a:r>
+              <a:rPr lang="fr-FR" dirty="0"/>
+              <a:t> Header</a:t>
+            </a:r>
+          </a:p>
+          <a:p>
+            <a:pPr>
+              <a:buFont typeface="Courier New" panose="02070309020205020404" pitchFamily="49" charset="0"/>
+              <a:buChar char="o"/>
+            </a:pPr>
+            <a:r>
+              <a:rPr lang="fr-FR" dirty="0"/>
+              <a:t> 5 sections : présentation, compétence, projets, témoignages, contact</a:t>
+            </a:r>
+          </a:p>
+          <a:p>
+            <a:pPr>
+              <a:buFont typeface="Courier New" panose="02070309020205020404" pitchFamily="49" charset="0"/>
+              <a:buChar char="o"/>
+            </a:pPr>
+            <a:r>
+              <a:rPr lang="fr-FR" dirty="0"/>
+              <a:t> Footer  </a:t>
+            </a:r>
+          </a:p>
+        </p:txBody>
+      </p:sp>
+      <p:sp>
+        <p:nvSpPr>
           <p:cNvPr id="4" name="ZoneTexte 3">
             <a:extLst>
               <a:ext uri="{FF2B5EF4-FFF2-40B4-BE49-F238E27FC236}">
@@ -6389,36 +6643,6 @@
             <a:extLst>
               <a:ext uri="{FF2B5EF4-FFF2-40B4-BE49-F238E27FC236}">
                 <a16:creationId xmlns:a16="http://schemas.microsoft.com/office/drawing/2014/main" id="{1D55926A-E42A-0494-5BC0-544F8AD19E50}"/>
-              </a:ext>
-            </a:extLst>
-          </p:cNvPr>
-          <p:cNvPicPr>
-            <a:picLocks noChangeAspect="1"/>
-          </p:cNvPicPr>
-          <p:nvPr/>
-        </p:nvPicPr>
-        <p:blipFill>
-          <a:blip r:embed="rId2"/>
-          <a:stretch>
-            <a:fillRect/>
-          </a:stretch>
-        </p:blipFill>
-        <p:spPr>
-          <a:xfrm>
-            <a:off x="11296444" y="82611"/>
-            <a:ext cx="803675" cy="803675"/>
-          </a:xfrm>
-          <a:prstGeom prst="rect">
-            <a:avLst/>
-          </a:prstGeom>
-        </p:spPr>
-      </p:pic>
-      <p:pic>
-        <p:nvPicPr>
-          <p:cNvPr id="7" name="Image 6" descr="Une image contenant texte, capture d’écran, logiciel, Logiciel multimédia&#10;&#10;Description générée automatiquement">
-            <a:extLst>
-              <a:ext uri="{FF2B5EF4-FFF2-40B4-BE49-F238E27FC236}">
-                <a16:creationId xmlns:a16="http://schemas.microsoft.com/office/drawing/2014/main" id="{8D9F6148-275E-7F3D-6686-CC00EEF0B76B}"/>
               </a:ext>
             </a:extLst>
           </p:cNvPr>
@@ -6435,120 +6659,18 @@
         </p:blipFill>
         <p:spPr>
           <a:xfrm>
-            <a:off x="1161469" y="2588966"/>
-            <a:ext cx="4333921" cy="3489713"/>
+            <a:off x="11296444" y="82611"/>
+            <a:ext cx="803675" cy="803675"/>
           </a:xfrm>
           <a:prstGeom prst="rect">
             <a:avLst/>
           </a:prstGeom>
         </p:spPr>
       </p:pic>
-      <p:pic>
-        <p:nvPicPr>
-          <p:cNvPr id="9" name="Image 8" descr="Une image contenant texte, capture d’écran, logiciel, Logiciel multimédia&#10;&#10;Description générée automatiquement">
-            <a:extLst>
-              <a:ext uri="{FF2B5EF4-FFF2-40B4-BE49-F238E27FC236}">
-                <a16:creationId xmlns:a16="http://schemas.microsoft.com/office/drawing/2014/main" id="{40E5ACC7-17BC-6623-03C6-3DB8A3150836}"/>
-              </a:ext>
-            </a:extLst>
-          </p:cNvPr>
-          <p:cNvPicPr>
-            <a:picLocks noChangeAspect="1"/>
-          </p:cNvPicPr>
-          <p:nvPr/>
-        </p:nvPicPr>
-        <p:blipFill>
-          <a:blip r:embed="rId4"/>
-          <a:stretch>
-            <a:fillRect/>
-          </a:stretch>
-        </p:blipFill>
-        <p:spPr>
-          <a:xfrm>
-            <a:off x="6995058" y="2588967"/>
-            <a:ext cx="4160622" cy="3489714"/>
-          </a:xfrm>
-          <a:prstGeom prst="rect">
-            <a:avLst/>
-          </a:prstGeom>
-        </p:spPr>
-      </p:pic>
-      <p:sp>
-        <p:nvSpPr>
-          <p:cNvPr id="10" name="ZoneTexte 9">
-            <a:extLst>
-              <a:ext uri="{FF2B5EF4-FFF2-40B4-BE49-F238E27FC236}">
-                <a16:creationId xmlns:a16="http://schemas.microsoft.com/office/drawing/2014/main" id="{3B8B8CA5-32F2-D86A-F84F-2645260B3060}"/>
-              </a:ext>
-            </a:extLst>
-          </p:cNvPr>
-          <p:cNvSpPr txBox="1"/>
-          <p:nvPr/>
-        </p:nvSpPr>
-        <p:spPr>
-          <a:xfrm>
-            <a:off x="1521662" y="2115239"/>
-            <a:ext cx="3613533" cy="369332"/>
-          </a:xfrm>
-          <a:prstGeom prst="rect">
-            <a:avLst/>
-          </a:prstGeom>
-          <a:noFill/>
-        </p:spPr>
-        <p:txBody>
-          <a:bodyPr wrap="square" rtlCol="0">
-            <a:spAutoFit/>
-          </a:bodyPr>
-          <a:lstStyle/>
-          <a:p>
-            <a:pPr algn="ctr"/>
-            <a:r>
-              <a:rPr lang="fr-FR" dirty="0"/>
-              <a:t>Lighthouse Desktop</a:t>
-            </a:r>
-          </a:p>
-        </p:txBody>
-      </p:sp>
-      <p:sp>
-        <p:nvSpPr>
-          <p:cNvPr id="11" name="ZoneTexte 10">
-            <a:extLst>
-              <a:ext uri="{FF2B5EF4-FFF2-40B4-BE49-F238E27FC236}">
-                <a16:creationId xmlns:a16="http://schemas.microsoft.com/office/drawing/2014/main" id="{C8B045D5-05B1-5119-1C6C-949967A52AF2}"/>
-              </a:ext>
-            </a:extLst>
-          </p:cNvPr>
-          <p:cNvSpPr txBox="1"/>
-          <p:nvPr/>
-        </p:nvSpPr>
-        <p:spPr>
-          <a:xfrm>
-            <a:off x="7268602" y="2115239"/>
-            <a:ext cx="3613533" cy="369332"/>
-          </a:xfrm>
-          <a:prstGeom prst="rect">
-            <a:avLst/>
-          </a:prstGeom>
-          <a:noFill/>
-        </p:spPr>
-        <p:txBody>
-          <a:bodyPr wrap="square" rtlCol="0">
-            <a:spAutoFit/>
-          </a:bodyPr>
-          <a:lstStyle/>
-          <a:p>
-            <a:pPr algn="ctr"/>
-            <a:r>
-              <a:rPr lang="fr-FR" dirty="0"/>
-              <a:t>Lighthouse Mobile</a:t>
-            </a:r>
-          </a:p>
-        </p:txBody>
-      </p:sp>
     </p:spTree>
     <p:extLst>
       <p:ext uri="{BB962C8B-B14F-4D97-AF65-F5344CB8AC3E}">
-        <p14:creationId xmlns:p14="http://schemas.microsoft.com/office/powerpoint/2010/main" val="3450336644"/>
+        <p14:creationId xmlns:p14="http://schemas.microsoft.com/office/powerpoint/2010/main" val="3129436304"/>
       </p:ext>
     </p:extLst>
   </p:cSld>
@@ -6609,76 +6731,7 @@
                   <a:schemeClr val="tx1"/>
                 </a:solidFill>
               </a:rPr>
-              <a:t>III. Mise en avant des projets réalisés: </a:t>
-            </a:r>
-          </a:p>
-        </p:txBody>
-      </p:sp>
-      <p:sp>
-        <p:nvSpPr>
-          <p:cNvPr id="3" name="Espace réservé du contenu 2">
-            <a:extLst>
-              <a:ext uri="{FF2B5EF4-FFF2-40B4-BE49-F238E27FC236}">
-                <a16:creationId xmlns:a16="http://schemas.microsoft.com/office/drawing/2014/main" id="{69A6387B-7BF8-943F-F7EC-2946F2F4C386}"/>
-              </a:ext>
-            </a:extLst>
-          </p:cNvPr>
-          <p:cNvSpPr>
-            <a:spLocks noGrp="1"/>
-          </p:cNvSpPr>
-          <p:nvPr>
-            <p:ph idx="1"/>
-          </p:nvPr>
-        </p:nvSpPr>
-        <p:spPr>
-          <a:xfrm>
-            <a:off x="1096963" y="2675694"/>
-            <a:ext cx="10058400" cy="3193294"/>
-          </a:xfrm>
-        </p:spPr>
-        <p:txBody>
-          <a:bodyPr>
-            <a:normAutofit/>
-          </a:bodyPr>
-          <a:lstStyle/>
-          <a:p>
-            <a:pPr>
-              <a:buFont typeface="Courier New" panose="02070309020205020404" pitchFamily="49" charset="0"/>
-              <a:buChar char="o"/>
-            </a:pPr>
-            <a:r>
-              <a:rPr lang="fr-FR" dirty="0"/>
-              <a:t> Placement sur le site : juste après la présentation et les compétences, en plein milieu du site</a:t>
-            </a:r>
-          </a:p>
-          <a:p>
-            <a:pPr>
-              <a:buFont typeface="Courier New" panose="02070309020205020404" pitchFamily="49" charset="0"/>
-              <a:buChar char="o"/>
-            </a:pPr>
-            <a:r>
-              <a:rPr lang="fr-FR" dirty="0"/>
-              <a:t> Format de cartes pour chaque projet avec un recto et un verso (petite animation en plus)</a:t>
-            </a:r>
-          </a:p>
-          <a:p>
-            <a:pPr>
-              <a:buFont typeface="Courier New" panose="02070309020205020404" pitchFamily="49" charset="0"/>
-              <a:buChar char="o"/>
-            </a:pPr>
-            <a:r>
-              <a:rPr lang="fr-FR" dirty="0"/>
-              <a:t> Recto : Photo du projet, nom du projet, « learn more » pour cliquer dessus</a:t>
-            </a:r>
-          </a:p>
-          <a:p>
-            <a:pPr>
-              <a:buFont typeface="Courier New" panose="02070309020205020404" pitchFamily="49" charset="0"/>
-              <a:buChar char="o"/>
-            </a:pPr>
-            <a:r>
-              <a:rPr lang="fr-FR" dirty="0"/>
-              <a:t> Verso : titre du projet, texte de présentation, technologies utilisés, lien code et lien site. </a:t>
+              <a:t>II. Présentation du Portfolio : </a:t>
             </a:r>
           </a:p>
         </p:txBody>
@@ -6745,10 +6798,142 @@
           </a:prstGeom>
         </p:spPr>
       </p:pic>
+      <p:pic>
+        <p:nvPicPr>
+          <p:cNvPr id="7" name="Image 6" descr="Une image contenant texte, capture d’écran, logiciel, Logiciel multimédia&#10;&#10;Description générée automatiquement">
+            <a:extLst>
+              <a:ext uri="{FF2B5EF4-FFF2-40B4-BE49-F238E27FC236}">
+                <a16:creationId xmlns:a16="http://schemas.microsoft.com/office/drawing/2014/main" id="{8D9F6148-275E-7F3D-6686-CC00EEF0B76B}"/>
+              </a:ext>
+            </a:extLst>
+          </p:cNvPr>
+          <p:cNvPicPr>
+            <a:picLocks noChangeAspect="1"/>
+          </p:cNvPicPr>
+          <p:nvPr/>
+        </p:nvPicPr>
+        <p:blipFill>
+          <a:blip r:embed="rId3"/>
+          <a:stretch>
+            <a:fillRect/>
+          </a:stretch>
+        </p:blipFill>
+        <p:spPr>
+          <a:xfrm>
+            <a:off x="1161469" y="2588966"/>
+            <a:ext cx="4333921" cy="3489713"/>
+          </a:xfrm>
+          <a:prstGeom prst="rect">
+            <a:avLst/>
+          </a:prstGeom>
+        </p:spPr>
+      </p:pic>
+      <p:pic>
+        <p:nvPicPr>
+          <p:cNvPr id="9" name="Image 8" descr="Une image contenant texte, capture d’écran, logiciel, Logiciel multimédia&#10;&#10;Description générée automatiquement">
+            <a:extLst>
+              <a:ext uri="{FF2B5EF4-FFF2-40B4-BE49-F238E27FC236}">
+                <a16:creationId xmlns:a16="http://schemas.microsoft.com/office/drawing/2014/main" id="{40E5ACC7-17BC-6623-03C6-3DB8A3150836}"/>
+              </a:ext>
+            </a:extLst>
+          </p:cNvPr>
+          <p:cNvPicPr>
+            <a:picLocks noChangeAspect="1"/>
+          </p:cNvPicPr>
+          <p:nvPr/>
+        </p:nvPicPr>
+        <p:blipFill>
+          <a:blip r:embed="rId4"/>
+          <a:stretch>
+            <a:fillRect/>
+          </a:stretch>
+        </p:blipFill>
+        <p:spPr>
+          <a:xfrm>
+            <a:off x="6995058" y="2588967"/>
+            <a:ext cx="4160622" cy="3489714"/>
+          </a:xfrm>
+          <a:prstGeom prst="rect">
+            <a:avLst/>
+          </a:prstGeom>
+        </p:spPr>
+      </p:pic>
+      <p:sp>
+        <p:nvSpPr>
+          <p:cNvPr id="10" name="ZoneTexte 9">
+            <a:extLst>
+              <a:ext uri="{FF2B5EF4-FFF2-40B4-BE49-F238E27FC236}">
+                <a16:creationId xmlns:a16="http://schemas.microsoft.com/office/drawing/2014/main" id="{3B8B8CA5-32F2-D86A-F84F-2645260B3060}"/>
+              </a:ext>
+            </a:extLst>
+          </p:cNvPr>
+          <p:cNvSpPr txBox="1"/>
+          <p:nvPr/>
+        </p:nvSpPr>
+        <p:spPr>
+          <a:xfrm>
+            <a:off x="1521662" y="2115239"/>
+            <a:ext cx="3613533" cy="369332"/>
+          </a:xfrm>
+          <a:prstGeom prst="rect">
+            <a:avLst/>
+          </a:prstGeom>
+          <a:noFill/>
+        </p:spPr>
+        <p:txBody>
+          <a:bodyPr wrap="square" rtlCol="0">
+            <a:spAutoFit/>
+          </a:bodyPr>
+          <a:lstStyle/>
+          <a:p>
+            <a:pPr algn="ctr"/>
+            <a:r>
+              <a:rPr lang="fr-FR" dirty="0"/>
+              <a:t>Lighthouse Desktop</a:t>
+            </a:r>
+          </a:p>
+        </p:txBody>
+      </p:sp>
+      <p:sp>
+        <p:nvSpPr>
+          <p:cNvPr id="11" name="ZoneTexte 10">
+            <a:extLst>
+              <a:ext uri="{FF2B5EF4-FFF2-40B4-BE49-F238E27FC236}">
+                <a16:creationId xmlns:a16="http://schemas.microsoft.com/office/drawing/2014/main" id="{C8B045D5-05B1-5119-1C6C-949967A52AF2}"/>
+              </a:ext>
+            </a:extLst>
+          </p:cNvPr>
+          <p:cNvSpPr txBox="1"/>
+          <p:nvPr/>
+        </p:nvSpPr>
+        <p:spPr>
+          <a:xfrm>
+            <a:off x="7268602" y="2115239"/>
+            <a:ext cx="3613533" cy="369332"/>
+          </a:xfrm>
+          <a:prstGeom prst="rect">
+            <a:avLst/>
+          </a:prstGeom>
+          <a:noFill/>
+        </p:spPr>
+        <p:txBody>
+          <a:bodyPr wrap="square" rtlCol="0">
+            <a:spAutoFit/>
+          </a:bodyPr>
+          <a:lstStyle/>
+          <a:p>
+            <a:pPr algn="ctr"/>
+            <a:r>
+              <a:rPr lang="fr-FR" dirty="0"/>
+              <a:t>Lighthouse Mobile</a:t>
+            </a:r>
+          </a:p>
+        </p:txBody>
+      </p:sp>
     </p:spTree>
     <p:extLst>
       <p:ext uri="{BB962C8B-B14F-4D97-AF65-F5344CB8AC3E}">
-        <p14:creationId xmlns:p14="http://schemas.microsoft.com/office/powerpoint/2010/main" val="1791633263"/>
+        <p14:creationId xmlns:p14="http://schemas.microsoft.com/office/powerpoint/2010/main" val="3450336644"/>
       </p:ext>
     </p:extLst>
   </p:cSld>
